--- a/Lectures/3 - Simple Linear Regression Model.pptx
+++ b/Lectures/3 - Simple Linear Regression Model.pptx
@@ -5511,7 +5511,7 @@
         <p:spPr>
           <a:xfrm>
             <a:off x="495300" y="1977074"/>
-            <a:ext cx="11201400" cy="5346144"/>
+            <a:ext cx="11201400" cy="4392692"/>
           </a:xfrm>
           <a:prstGeom prst="roundRect">
             <a:avLst/>
@@ -5645,7 +5645,7 @@
                   <a:srgbClr val="660066"/>
                 </a:solidFill>
               </a:rPr>
-              <a:t>Which one is Response?</a:t>
+              <a:t>Which One is Response?</a:t>
             </a:r>
           </a:p>
           <a:p>
@@ -5742,7 +5742,7 @@
                   <a:srgbClr val="660066"/>
                 </a:solidFill>
               </a:rPr>
-              <a:t>  Shows Evidence of     a </a:t>
+              <a:t>  Shows Evidence of  a </a:t>
             </a:r>
             <a:r>
               <a:rPr lang="en-US" sz="2800" b="1" dirty="0">
@@ -5760,28 +5760,6 @@
               </a:rPr>
               <a:t> Relationship</a:t>
             </a:r>
-          </a:p>
-          <a:p>
-            <a:pPr marL="457200" indent="-457200">
-              <a:buFont typeface="Arial" panose="020B0604020202020204" pitchFamily="34" charset="0"/>
-              <a:buChar char="•"/>
-            </a:pPr>
-            <a:endParaRPr lang="en-US" sz="2800" dirty="0">
-              <a:solidFill>
-                <a:srgbClr val="660066"/>
-              </a:solidFill>
-            </a:endParaRPr>
-          </a:p>
-          <a:p>
-            <a:pPr marL="457200" indent="-457200">
-              <a:buFont typeface="Arial" panose="020B0604020202020204" pitchFamily="34" charset="0"/>
-              <a:buChar char="•"/>
-            </a:pPr>
-            <a:endParaRPr lang="en-US" sz="2800" dirty="0">
-              <a:solidFill>
-                <a:srgbClr val="660066"/>
-              </a:solidFill>
-            </a:endParaRPr>
           </a:p>
         </p:txBody>
       </p:sp>
@@ -6391,8 +6369,8 @@
           </a:p>
         </p:txBody>
       </p:sp>
-      <mc:AlternateContent xmlns:mc="http://schemas.openxmlformats.org/markup-compatibility/2006">
-        <mc:Choice xmlns:a14="http://schemas.microsoft.com/office/drawing/2010/main" Requires="a14">
+      <mc:AlternateContent xmlns:mc="http://schemas.openxmlformats.org/markup-compatibility/2006" xmlns:a14="http://schemas.microsoft.com/office/drawing/2010/main">
+        <mc:Choice Requires="a14">
           <p:sp>
             <p:nvSpPr>
               <p:cNvPr id="7" name="TextBox 6">
@@ -6636,7 +6614,7 @@
             </p:txBody>
           </p:sp>
         </mc:Choice>
-        <mc:Fallback>
+        <mc:Fallback xmlns="">
           <p:sp>
             <p:nvSpPr>
               <p:cNvPr id="7" name="TextBox 6">
@@ -6686,8 +6664,8 @@
           </p:sp>
         </mc:Fallback>
       </mc:AlternateContent>
-      <mc:AlternateContent xmlns:mc="http://schemas.openxmlformats.org/markup-compatibility/2006">
-        <mc:Choice xmlns:a14="http://schemas.microsoft.com/office/drawing/2010/main" Requires="a14">
+      <mc:AlternateContent xmlns:mc="http://schemas.openxmlformats.org/markup-compatibility/2006" xmlns:a14="http://schemas.microsoft.com/office/drawing/2010/main">
+        <mc:Choice Requires="a14">
           <p:sp>
             <p:nvSpPr>
               <p:cNvPr id="4" name="TextBox 3">
@@ -6778,7 +6756,7 @@
             </p:txBody>
           </p:sp>
         </mc:Choice>
-        <mc:Fallback>
+        <mc:Fallback xmlns="">
           <p:sp>
             <p:nvSpPr>
               <p:cNvPr id="4" name="TextBox 3">
@@ -6823,8 +6801,8 @@
           </p:sp>
         </mc:Fallback>
       </mc:AlternateContent>
-      <mc:AlternateContent xmlns:mc="http://schemas.openxmlformats.org/markup-compatibility/2006">
-        <mc:Choice xmlns:a14="http://schemas.microsoft.com/office/drawing/2010/main" Requires="a14">
+      <mc:AlternateContent xmlns:mc="http://schemas.openxmlformats.org/markup-compatibility/2006" xmlns:a14="http://schemas.microsoft.com/office/drawing/2010/main">
+        <mc:Choice Requires="a14">
           <p:sp>
             <p:nvSpPr>
               <p:cNvPr id="5" name="TextBox 4">
@@ -6911,7 +6889,7 @@
             </p:txBody>
           </p:sp>
         </mc:Choice>
-        <mc:Fallback>
+        <mc:Fallback xmlns="">
           <p:sp>
             <p:nvSpPr>
               <p:cNvPr id="5" name="TextBox 4">
@@ -7088,8 +7066,8 @@
           </a:p>
         </p:txBody>
       </p:sp>
-      <mc:AlternateContent xmlns:mc="http://schemas.openxmlformats.org/markup-compatibility/2006">
-        <mc:Choice xmlns:a14="http://schemas.microsoft.com/office/drawing/2010/main" Requires="a14">
+      <mc:AlternateContent xmlns:mc="http://schemas.openxmlformats.org/markup-compatibility/2006" xmlns:a14="http://schemas.microsoft.com/office/drawing/2010/main">
+        <mc:Choice Requires="a14">
           <p:sp>
             <p:nvSpPr>
               <p:cNvPr id="14" name="TextBox 13">
@@ -7219,7 +7197,7 @@
             </p:txBody>
           </p:sp>
         </mc:Choice>
-        <mc:Fallback>
+        <mc:Fallback xmlns="">
           <p:sp>
             <p:nvSpPr>
               <p:cNvPr id="14" name="TextBox 13">
@@ -7723,8 +7701,8 @@
           </a:p>
         </p:txBody>
       </p:sp>
-      <mc:AlternateContent xmlns:mc="http://schemas.openxmlformats.org/markup-compatibility/2006">
-        <mc:Choice xmlns:a14="http://schemas.microsoft.com/office/drawing/2010/main" Requires="a14">
+      <mc:AlternateContent xmlns:mc="http://schemas.openxmlformats.org/markup-compatibility/2006" xmlns:a14="http://schemas.microsoft.com/office/drawing/2010/main">
+        <mc:Choice Requires="a14">
           <p:sp>
             <p:nvSpPr>
               <p:cNvPr id="14" name="TextBox 13">
@@ -7878,7 +7856,7 @@
             </p:txBody>
           </p:sp>
         </mc:Choice>
-        <mc:Fallback>
+        <mc:Fallback xmlns="">
           <p:sp>
             <p:nvSpPr>
               <p:cNvPr id="14" name="TextBox 13">
@@ -7923,8 +7901,8 @@
           </p:sp>
         </mc:Fallback>
       </mc:AlternateContent>
-      <mc:AlternateContent xmlns:mc="http://schemas.openxmlformats.org/markup-compatibility/2006">
-        <mc:Choice xmlns:a14="http://schemas.microsoft.com/office/drawing/2010/main" Requires="a14">
+      <mc:AlternateContent xmlns:mc="http://schemas.openxmlformats.org/markup-compatibility/2006" xmlns:a14="http://schemas.microsoft.com/office/drawing/2010/main">
+        <mc:Choice Requires="a14">
           <p:sp>
             <p:nvSpPr>
               <p:cNvPr id="3" name="TextBox 2">
@@ -7953,7 +7931,6 @@
               </a:bodyPr>
               <a:lstStyle/>
               <a:p>
-                <a:pPr/>
                 <a14:m>
                   <m:oMath xmlns:m="http://schemas.openxmlformats.org/officeDocument/2006/math">
                     <m:sSub>
@@ -8200,7 +8177,7 @@
             </p:txBody>
           </p:sp>
         </mc:Choice>
-        <mc:Fallback>
+        <mc:Fallback xmlns="">
           <p:sp>
             <p:nvSpPr>
               <p:cNvPr id="3" name="TextBox 2">
@@ -8245,8 +8222,8 @@
           </p:sp>
         </mc:Fallback>
       </mc:AlternateContent>
-      <mc:AlternateContent xmlns:mc="http://schemas.openxmlformats.org/markup-compatibility/2006">
-        <mc:Choice xmlns:a14="http://schemas.microsoft.com/office/drawing/2010/main" Requires="a14">
+      <mc:AlternateContent xmlns:mc="http://schemas.openxmlformats.org/markup-compatibility/2006" xmlns:a14="http://schemas.microsoft.com/office/drawing/2010/main">
+        <mc:Choice Requires="a14">
           <p:sp>
             <p:nvSpPr>
               <p:cNvPr id="17" name="TextBox 16">
@@ -8452,7 +8429,7 @@
             </p:txBody>
           </p:sp>
         </mc:Choice>
-        <mc:Fallback>
+        <mc:Fallback xmlns="">
           <p:sp>
             <p:nvSpPr>
               <p:cNvPr id="17" name="TextBox 16">
@@ -8686,8 +8663,8 @@
           </a:p>
         </p:txBody>
       </p:sp>
-      <mc:AlternateContent xmlns:mc="http://schemas.openxmlformats.org/markup-compatibility/2006">
-        <mc:Choice xmlns:a14="http://schemas.microsoft.com/office/drawing/2010/main" Requires="a14">
+      <mc:AlternateContent xmlns:mc="http://schemas.openxmlformats.org/markup-compatibility/2006" xmlns:a14="http://schemas.microsoft.com/office/drawing/2010/main">
+        <mc:Choice Requires="a14">
           <p:sp>
             <p:nvSpPr>
               <p:cNvPr id="7" name="TextBox 6">
@@ -9235,7 +9212,7 @@
             </p:txBody>
           </p:sp>
         </mc:Choice>
-        <mc:Fallback>
+        <mc:Fallback xmlns="">
           <p:sp>
             <p:nvSpPr>
               <p:cNvPr id="7" name="TextBox 6">
@@ -9285,8 +9262,8 @@
           </p:sp>
         </mc:Fallback>
       </mc:AlternateContent>
-      <mc:AlternateContent xmlns:mc="http://schemas.openxmlformats.org/markup-compatibility/2006">
-        <mc:Choice xmlns:a14="http://schemas.microsoft.com/office/drawing/2010/main" Requires="a14">
+      <mc:AlternateContent xmlns:mc="http://schemas.openxmlformats.org/markup-compatibility/2006" xmlns:a14="http://schemas.microsoft.com/office/drawing/2010/main">
+        <mc:Choice Requires="a14">
           <p:sp>
             <p:nvSpPr>
               <p:cNvPr id="5" name="TextBox 4">
@@ -9440,7 +9417,7 @@
             </p:txBody>
           </p:sp>
         </mc:Choice>
-        <mc:Fallback>
+        <mc:Fallback xmlns="">
           <p:sp>
             <p:nvSpPr>
               <p:cNvPr id="5" name="TextBox 4">
@@ -9674,8 +9651,8 @@
           </a:p>
         </p:txBody>
       </p:sp>
-      <mc:AlternateContent xmlns:mc="http://schemas.openxmlformats.org/markup-compatibility/2006">
-        <mc:Choice xmlns:a14="http://schemas.microsoft.com/office/drawing/2010/main" Requires="a14">
+      <mc:AlternateContent xmlns:mc="http://schemas.openxmlformats.org/markup-compatibility/2006" xmlns:a14="http://schemas.microsoft.com/office/drawing/2010/main">
+        <mc:Choice Requires="a14">
           <p:sp>
             <p:nvSpPr>
               <p:cNvPr id="7" name="TextBox 6">
@@ -9896,7 +9873,7 @@
             </p:txBody>
           </p:sp>
         </mc:Choice>
-        <mc:Fallback>
+        <mc:Fallback xmlns="">
           <p:sp>
             <p:nvSpPr>
               <p:cNvPr id="7" name="TextBox 6">
@@ -9946,8 +9923,8 @@
           </p:sp>
         </mc:Fallback>
       </mc:AlternateContent>
-      <mc:AlternateContent xmlns:mc="http://schemas.openxmlformats.org/markup-compatibility/2006">
-        <mc:Choice xmlns:a14="http://schemas.microsoft.com/office/drawing/2010/main" Requires="a14">
+      <mc:AlternateContent xmlns:mc="http://schemas.openxmlformats.org/markup-compatibility/2006" xmlns:a14="http://schemas.microsoft.com/office/drawing/2010/main">
+        <mc:Choice Requires="a14">
           <p:sp>
             <p:nvSpPr>
               <p:cNvPr id="3" name="TextBox 2">
@@ -10107,7 +10084,7 @@
             </p:txBody>
           </p:sp>
         </mc:Choice>
-        <mc:Fallback>
+        <mc:Fallback xmlns="">
           <p:sp>
             <p:nvSpPr>
               <p:cNvPr id="3" name="TextBox 2">
@@ -10152,8 +10129,8 @@
           </p:sp>
         </mc:Fallback>
       </mc:AlternateContent>
-      <mc:AlternateContent xmlns:mc="http://schemas.openxmlformats.org/markup-compatibility/2006">
-        <mc:Choice xmlns:a14="http://schemas.microsoft.com/office/drawing/2010/main" Requires="a14">
+      <mc:AlternateContent xmlns:mc="http://schemas.openxmlformats.org/markup-compatibility/2006" xmlns:a14="http://schemas.microsoft.com/office/drawing/2010/main">
+        <mc:Choice Requires="a14">
           <p:sp>
             <p:nvSpPr>
               <p:cNvPr id="4" name="TextBox 3">
@@ -10326,7 +10303,7 @@
             </p:txBody>
           </p:sp>
         </mc:Choice>
-        <mc:Fallback>
+        <mc:Fallback xmlns="">
           <p:sp>
             <p:nvSpPr>
               <p:cNvPr id="4" name="TextBox 3">
@@ -10371,8 +10348,8 @@
           </p:sp>
         </mc:Fallback>
       </mc:AlternateContent>
-      <mc:AlternateContent xmlns:mc="http://schemas.openxmlformats.org/markup-compatibility/2006">
-        <mc:Choice xmlns:a14="http://schemas.microsoft.com/office/drawing/2010/main" Requires="a14">
+      <mc:AlternateContent xmlns:mc="http://schemas.openxmlformats.org/markup-compatibility/2006" xmlns:a14="http://schemas.microsoft.com/office/drawing/2010/main">
+        <mc:Choice Requires="a14">
           <p:sp>
             <p:nvSpPr>
               <p:cNvPr id="8" name="TextBox 7">
@@ -10498,13 +10475,7 @@
                         <a:rPr lang="en-US" sz="3600" b="0" i="1" smtClean="0">
                           <a:latin typeface="Cambria Math" panose="02040503050406030204" pitchFamily="18" charset="0"/>
                         </a:rPr>
-                        <m:t>)</m:t>
-                      </m:r>
-                      <m:r>
-                        <a:rPr lang="en-US" sz="3600" b="0" i="1" smtClean="0">
-                          <a:latin typeface="Cambria Math" panose="02040503050406030204" pitchFamily="18" charset="0"/>
-                        </a:rPr>
-                        <m:t>+</m:t>
+                        <m:t>)+</m:t>
                       </m:r>
                       <m:sSub>
                         <m:sSubPr>
@@ -10557,7 +10528,7 @@
             </p:txBody>
           </p:sp>
         </mc:Choice>
-        <mc:Fallback>
+        <mc:Fallback xmlns="">
           <p:sp>
             <p:nvSpPr>
               <p:cNvPr id="8" name="TextBox 7">
@@ -10602,8 +10573,8 @@
           </p:sp>
         </mc:Fallback>
       </mc:AlternateContent>
-      <mc:AlternateContent xmlns:mc="http://schemas.openxmlformats.org/markup-compatibility/2006">
-        <mc:Choice xmlns:a14="http://schemas.microsoft.com/office/drawing/2010/main" Requires="a14">
+      <mc:AlternateContent xmlns:mc="http://schemas.openxmlformats.org/markup-compatibility/2006" xmlns:a14="http://schemas.microsoft.com/office/drawing/2010/main">
+        <mc:Choice Requires="a14">
           <p:sp>
             <p:nvSpPr>
               <p:cNvPr id="9" name="TextBox 8">
@@ -10735,7 +10706,7 @@
             </p:txBody>
           </p:sp>
         </mc:Choice>
-        <mc:Fallback>
+        <mc:Fallback xmlns="">
           <p:sp>
             <p:nvSpPr>
               <p:cNvPr id="9" name="TextBox 8">

--- a/Lectures/3 - Simple Linear Regression Model.pptx
+++ b/Lectures/3 - Simple Linear Regression Model.pptx
@@ -4461,7 +4461,7 @@
               <a:t>hw</a:t>
             </a:r>
             <a:r>
-              <a:rPr lang="en-US" sz="2000" b="0" dirty="0">
+              <a:rPr lang="en-US" sz="2000" b="0">
                 <a:solidFill>
                   <a:srgbClr val="660066"/>
                 </a:solidFill>
@@ -4470,8 +4470,17 @@
                 <a:ea typeface="+mn-ea"/>
                 <a:cs typeface="+mn-cs"/>
               </a:rPr>
-              <a:t> 1</a:t>
-            </a:r>
+              <a:t> 3</a:t>
+            </a:r>
+            <a:endParaRPr lang="en-US" sz="2000" b="0" dirty="0">
+              <a:solidFill>
+                <a:srgbClr val="660066"/>
+              </a:solidFill>
+              <a:effectLst/>
+              <a:latin typeface="+mn-lt"/>
+              <a:ea typeface="+mn-ea"/>
+              <a:cs typeface="+mn-cs"/>
+            </a:endParaRPr>
           </a:p>
           <a:p>
             <a:pPr algn="l">
